--- a/Documentacao/FIAP-QualidProjSW-Aula-1.pptx
+++ b/Documentacao/FIAP-QualidProjSW-Aula-1.pptx
@@ -217,7 +217,7 @@
           <a:p>
             <a:fld id="{B6D4C934-FEA0-426E-B081-61FE807EA637}" type="datetimeFigureOut">
               <a:rPr lang="pt-BR" smtClean="0"/>
-              <a:t>22/01/2020</a:t>
+              <a:t>26/03/2020</a:t>
             </a:fld>
             <a:endParaRPr lang="pt-BR"/>
           </a:p>
@@ -1441,7 +1441,7 @@
           <a:p>
             <a:fld id="{89C4B140-6DEB-45EB-A5FE-2FE213A19AB6}" type="datetimeFigureOut">
               <a:rPr lang="pt-BR" smtClean="0"/>
-              <a:t>22/01/2020</a:t>
+              <a:t>26/03/2020</a:t>
             </a:fld>
             <a:endParaRPr lang="pt-BR"/>
           </a:p>
@@ -1649,7 +1649,7 @@
           <a:p>
             <a:fld id="{89C4B140-6DEB-45EB-A5FE-2FE213A19AB6}" type="datetimeFigureOut">
               <a:rPr lang="pt-BR" smtClean="0"/>
-              <a:t>22/01/2020</a:t>
+              <a:t>26/03/2020</a:t>
             </a:fld>
             <a:endParaRPr lang="pt-BR"/>
           </a:p>
@@ -1857,7 +1857,7 @@
           <a:p>
             <a:fld id="{89C4B140-6DEB-45EB-A5FE-2FE213A19AB6}" type="datetimeFigureOut">
               <a:rPr lang="pt-BR" smtClean="0"/>
-              <a:t>22/01/2020</a:t>
+              <a:t>26/03/2020</a:t>
             </a:fld>
             <a:endParaRPr lang="pt-BR"/>
           </a:p>
@@ -2263,7 +2263,7 @@
           <a:p>
             <a:fld id="{89C4B140-6DEB-45EB-A5FE-2FE213A19AB6}" type="datetimeFigureOut">
               <a:rPr lang="pt-BR" smtClean="0"/>
-              <a:t>22/01/2020</a:t>
+              <a:t>26/03/2020</a:t>
             </a:fld>
             <a:endParaRPr lang="pt-BR"/>
           </a:p>
@@ -2538,7 +2538,7 @@
           <a:p>
             <a:fld id="{89C4B140-6DEB-45EB-A5FE-2FE213A19AB6}" type="datetimeFigureOut">
               <a:rPr lang="pt-BR" smtClean="0"/>
-              <a:t>22/01/2020</a:t>
+              <a:t>26/03/2020</a:t>
             </a:fld>
             <a:endParaRPr lang="pt-BR"/>
           </a:p>
@@ -2861,7 +2861,7 @@
           <a:p>
             <a:fld id="{89C4B140-6DEB-45EB-A5FE-2FE213A19AB6}" type="datetimeFigureOut">
               <a:rPr lang="pt-BR" smtClean="0"/>
-              <a:t>22/01/2020</a:t>
+              <a:t>26/03/2020</a:t>
             </a:fld>
             <a:endParaRPr lang="pt-BR"/>
           </a:p>
@@ -3324,7 +3324,7 @@
           <a:p>
             <a:fld id="{89C4B140-6DEB-45EB-A5FE-2FE213A19AB6}" type="datetimeFigureOut">
               <a:rPr lang="pt-BR" smtClean="0"/>
-              <a:t>22/01/2020</a:t>
+              <a:t>26/03/2020</a:t>
             </a:fld>
             <a:endParaRPr lang="pt-BR"/>
           </a:p>
@@ -3473,7 +3473,7 @@
           <a:p>
             <a:fld id="{89C4B140-6DEB-45EB-A5FE-2FE213A19AB6}" type="datetimeFigureOut">
               <a:rPr lang="pt-BR" smtClean="0"/>
-              <a:t>22/01/2020</a:t>
+              <a:t>26/03/2020</a:t>
             </a:fld>
             <a:endParaRPr lang="pt-BR"/>
           </a:p>
@@ -3592,7 +3592,7 @@
           <a:p>
             <a:fld id="{89C4B140-6DEB-45EB-A5FE-2FE213A19AB6}" type="datetimeFigureOut">
               <a:rPr lang="pt-BR" smtClean="0"/>
-              <a:t>22/01/2020</a:t>
+              <a:t>26/03/2020</a:t>
             </a:fld>
             <a:endParaRPr lang="pt-BR"/>
           </a:p>
@@ -3900,7 +3900,7 @@
           <a:p>
             <a:fld id="{89C4B140-6DEB-45EB-A5FE-2FE213A19AB6}" type="datetimeFigureOut">
               <a:rPr lang="pt-BR" smtClean="0"/>
-              <a:t>22/01/2020</a:t>
+              <a:t>26/03/2020</a:t>
             </a:fld>
             <a:endParaRPr lang="pt-BR"/>
           </a:p>
@@ -4185,7 +4185,7 @@
           <a:p>
             <a:fld id="{89C4B140-6DEB-45EB-A5FE-2FE213A19AB6}" type="datetimeFigureOut">
               <a:rPr lang="pt-BR" smtClean="0"/>
-              <a:t>22/01/2020</a:t>
+              <a:t>26/03/2020</a:t>
             </a:fld>
             <a:endParaRPr lang="pt-BR"/>
           </a:p>
@@ -5108,6 +5108,52 @@
           </a:p>
           <a:p>
             <a:endParaRPr lang="pt-BR" b="1" dirty="0"/>
+          </a:p>
+        </p:txBody>
+      </p:sp>
+      <p:sp>
+        <p:nvSpPr>
+          <p:cNvPr id="2" name="Retângulo 1">
+            <a:extLst>
+              <a:ext uri="{FF2B5EF4-FFF2-40B4-BE49-F238E27FC236}">
+                <a16:creationId xmlns:a16="http://schemas.microsoft.com/office/drawing/2014/main" id="{9F010E5C-B522-46BA-8B03-ED75AE0F11C6}"/>
+              </a:ext>
+            </a:extLst>
+          </p:cNvPr>
+          <p:cNvSpPr/>
+          <p:nvPr/>
+        </p:nvSpPr>
+        <p:spPr>
+          <a:xfrm>
+            <a:off x="467544" y="908721"/>
+            <a:ext cx="7056784" cy="3973214"/>
+          </a:xfrm>
+          <a:prstGeom prst="rect">
+            <a:avLst/>
+          </a:prstGeom>
+        </p:spPr>
+        <p:style>
+          <a:lnRef idx="2">
+            <a:schemeClr val="accent1">
+              <a:shade val="50000"/>
+            </a:schemeClr>
+          </a:lnRef>
+          <a:fillRef idx="1">
+            <a:schemeClr val="accent1"/>
+          </a:fillRef>
+          <a:effectRef idx="0">
+            <a:schemeClr val="accent1"/>
+          </a:effectRef>
+          <a:fontRef idx="minor">
+            <a:schemeClr val="lt1"/>
+          </a:fontRef>
+        </p:style>
+        <p:txBody>
+          <a:bodyPr rtlCol="0" anchor="ctr"/>
+          <a:lstStyle/>
+          <a:p>
+            <a:pPr algn="ctr"/>
+            <a:endParaRPr lang="pt-BR"/>
           </a:p>
         </p:txBody>
       </p:sp>
